--- a/facet merging plan.pptx
+++ b/facet merging plan.pptx
@@ -104,6 +104,11 @@
       </a:defRPr>
     </a:lvl9pPr>
   </p:defaultTextStyle>
+  <p:extLst>
+    <p:ext uri="{EFAFB233-063F-42B5-8137-9DF3F51BA10A}">
+      <p15:sldGuideLst xmlns:p15="http://schemas.microsoft.com/office/powerpoint/2012/main"/>
+    </p:ext>
+  </p:extLst>
 </p:presentation>
 </file>
 
@@ -238,7 +243,7 @@
           <a:p>
             <a:fld id="{07C67D85-EBBA-2045-9EAD-534C89D20F29}" type="datetimeFigureOut">
               <a:rPr lang="en-US" smtClean="0"/>
-              <a:t>9/14/17</a:t>
+              <a:t>9/21/17</a:t>
             </a:fld>
             <a:endParaRPr lang="en-US"/>
           </a:p>
@@ -403,7 +408,7 @@
           <a:p>
             <a:fld id="{07C67D85-EBBA-2045-9EAD-534C89D20F29}" type="datetimeFigureOut">
               <a:rPr lang="en-US" smtClean="0"/>
-              <a:t>9/14/17</a:t>
+              <a:t>9/21/17</a:t>
             </a:fld>
             <a:endParaRPr lang="en-US"/>
           </a:p>
@@ -578,7 +583,7 @@
           <a:p>
             <a:fld id="{07C67D85-EBBA-2045-9EAD-534C89D20F29}" type="datetimeFigureOut">
               <a:rPr lang="en-US" smtClean="0"/>
-              <a:t>9/14/17</a:t>
+              <a:t>9/21/17</a:t>
             </a:fld>
             <a:endParaRPr lang="en-US"/>
           </a:p>
@@ -743,7 +748,7 @@
           <a:p>
             <a:fld id="{07C67D85-EBBA-2045-9EAD-534C89D20F29}" type="datetimeFigureOut">
               <a:rPr lang="en-US" smtClean="0"/>
-              <a:t>9/14/17</a:t>
+              <a:t>9/21/17</a:t>
             </a:fld>
             <a:endParaRPr lang="en-US"/>
           </a:p>
@@ -982,7 +987,7 @@
           <a:p>
             <a:fld id="{07C67D85-EBBA-2045-9EAD-534C89D20F29}" type="datetimeFigureOut">
               <a:rPr lang="en-US" smtClean="0"/>
-              <a:t>9/14/17</a:t>
+              <a:t>9/21/17</a:t>
             </a:fld>
             <a:endParaRPr lang="en-US"/>
           </a:p>
@@ -1209,7 +1214,7 @@
           <a:p>
             <a:fld id="{07C67D85-EBBA-2045-9EAD-534C89D20F29}" type="datetimeFigureOut">
               <a:rPr lang="en-US" smtClean="0"/>
-              <a:t>9/14/17</a:t>
+              <a:t>9/21/17</a:t>
             </a:fld>
             <a:endParaRPr lang="en-US"/>
           </a:p>
@@ -1571,7 +1576,7 @@
           <a:p>
             <a:fld id="{07C67D85-EBBA-2045-9EAD-534C89D20F29}" type="datetimeFigureOut">
               <a:rPr lang="en-US" smtClean="0"/>
-              <a:t>9/14/17</a:t>
+              <a:t>9/21/17</a:t>
             </a:fld>
             <a:endParaRPr lang="en-US"/>
           </a:p>
@@ -1684,7 +1689,7 @@
           <a:p>
             <a:fld id="{07C67D85-EBBA-2045-9EAD-534C89D20F29}" type="datetimeFigureOut">
               <a:rPr lang="en-US" smtClean="0"/>
-              <a:t>9/14/17</a:t>
+              <a:t>9/21/17</a:t>
             </a:fld>
             <a:endParaRPr lang="en-US"/>
           </a:p>
@@ -1774,7 +1779,7 @@
           <a:p>
             <a:fld id="{07C67D85-EBBA-2045-9EAD-534C89D20F29}" type="datetimeFigureOut">
               <a:rPr lang="en-US" smtClean="0"/>
-              <a:t>9/14/17</a:t>
+              <a:t>9/21/17</a:t>
             </a:fld>
             <a:endParaRPr lang="en-US"/>
           </a:p>
@@ -2046,7 +2051,7 @@
           <a:p>
             <a:fld id="{07C67D85-EBBA-2045-9EAD-534C89D20F29}" type="datetimeFigureOut">
               <a:rPr lang="en-US" smtClean="0"/>
-              <a:t>9/14/17</a:t>
+              <a:t>9/21/17</a:t>
             </a:fld>
             <a:endParaRPr lang="en-US"/>
           </a:p>
@@ -2298,7 +2303,7 @@
           <a:p>
             <a:fld id="{07C67D85-EBBA-2045-9EAD-534C89D20F29}" type="datetimeFigureOut">
               <a:rPr lang="en-US" smtClean="0"/>
-              <a:t>9/14/17</a:t>
+              <a:t>9/21/17</a:t>
             </a:fld>
             <a:endParaRPr lang="en-US"/>
           </a:p>
@@ -2506,7 +2511,7 @@
           <a:p>
             <a:fld id="{07C67D85-EBBA-2045-9EAD-534C89D20F29}" type="datetimeFigureOut">
               <a:rPr lang="en-US" smtClean="0"/>
-              <a:t>9/14/17</a:t>
+              <a:t>9/21/17</a:t>
             </a:fld>
             <a:endParaRPr lang="en-US"/>
           </a:p>
@@ -2913,20 +2918,20 @@
       </p:grpSpPr>
       <p:sp>
         <p:nvSpPr>
-          <p:cNvPr id="31" name="Rectangle 30"/>
+          <p:cNvPr id="49" name="Rectangle 48"/>
           <p:cNvSpPr/>
           <p:nvPr/>
         </p:nvSpPr>
         <p:spPr>
           <a:xfrm>
-            <a:off x="640537" y="6330465"/>
-            <a:ext cx="5576852" cy="3052478"/>
+            <a:off x="639186" y="4808729"/>
+            <a:ext cx="5576852" cy="1101701"/>
           </a:xfrm>
           <a:prstGeom prst="rect">
             <a:avLst/>
           </a:prstGeom>
           <a:solidFill>
-            <a:schemeClr val="accent5">
+            <a:schemeClr val="accent6">
               <a:lumMod val="75000"/>
               <a:alpha val="12941"/>
             </a:schemeClr>
@@ -2962,20 +2967,20 @@
       </p:sp>
       <p:sp>
         <p:nvSpPr>
-          <p:cNvPr id="28" name="Rectangle 27"/>
+          <p:cNvPr id="31" name="Rectangle 30"/>
           <p:cNvSpPr/>
           <p:nvPr/>
         </p:nvSpPr>
         <p:spPr>
           <a:xfrm>
-            <a:off x="640539" y="2724306"/>
-            <a:ext cx="2579019" cy="1941027"/>
+            <a:off x="640537" y="6330465"/>
+            <a:ext cx="5576852" cy="3052478"/>
           </a:xfrm>
           <a:prstGeom prst="rect">
             <a:avLst/>
           </a:prstGeom>
           <a:solidFill>
-            <a:schemeClr val="accent6">
+            <a:schemeClr val="accent5">
               <a:lumMod val="75000"/>
               <a:alpha val="12941"/>
             </a:schemeClr>
@@ -3011,23 +3016,22 @@
       </p:sp>
       <p:sp>
         <p:nvSpPr>
-          <p:cNvPr id="29" name="Rectangle 28"/>
+          <p:cNvPr id="9" name="Rectangle 8"/>
           <p:cNvSpPr/>
           <p:nvPr/>
         </p:nvSpPr>
         <p:spPr>
           <a:xfrm>
-            <a:off x="3638370" y="2754241"/>
-            <a:ext cx="2579019" cy="3026883"/>
+            <a:off x="640537" y="136973"/>
+            <a:ext cx="5576852" cy="2252228"/>
           </a:xfrm>
           <a:prstGeom prst="rect">
             <a:avLst/>
           </a:prstGeom>
           <a:solidFill>
-            <a:schemeClr val="accent6">
-              <a:lumMod val="75000"/>
+            <a:srgbClr val="FF0000">
               <a:alpha val="12941"/>
-            </a:schemeClr>
+            </a:srgbClr>
           </a:solidFill>
           <a:ln>
             <a:noFill/>
@@ -3060,27 +3064,66 @@
       </p:sp>
       <p:sp>
         <p:nvSpPr>
-          <p:cNvPr id="30" name="Rectangle 29"/>
+          <p:cNvPr id="4" name="Rounded Rectangle 3"/>
           <p:cNvSpPr/>
           <p:nvPr/>
         </p:nvSpPr>
         <p:spPr>
           <a:xfrm>
-            <a:off x="640538" y="4790832"/>
-            <a:ext cx="2579019" cy="1323552"/>
-          </a:xfrm>
-          <a:prstGeom prst="rect">
+            <a:off x="923494" y="429942"/>
+            <a:ext cx="1718548" cy="417637"/>
+          </a:xfrm>
+          <a:prstGeom prst="roundRect">
             <a:avLst/>
           </a:prstGeom>
-          <a:solidFill>
-            <a:schemeClr val="accent6">
-              <a:lumMod val="75000"/>
-              <a:alpha val="12941"/>
+        </p:spPr>
+        <p:style>
+          <a:lnRef idx="2">
+            <a:schemeClr val="accent2">
+              <a:shade val="50000"/>
             </a:schemeClr>
-          </a:solidFill>
-          <a:ln>
-            <a:noFill/>
-          </a:ln>
+          </a:lnRef>
+          <a:fillRef idx="1">
+            <a:schemeClr val="accent2"/>
+          </a:fillRef>
+          <a:effectRef idx="0">
+            <a:schemeClr val="accent2"/>
+          </a:effectRef>
+          <a:fontRef idx="minor">
+            <a:schemeClr val="lt1"/>
+          </a:fontRef>
+        </p:style>
+        <p:txBody>
+          <a:bodyPr rtlCol="0" anchor="ctr"/>
+          <a:lstStyle/>
+          <a:p>
+            <a:pPr algn="ctr"/>
+            <a:r>
+              <a:rPr lang="en-US" dirty="0" err="1"/>
+              <a:t>i</a:t>
+            </a:r>
+            <a:r>
+              <a:rPr lang="en-US" dirty="0" err="1" smtClean="0"/>
+              <a:t>nput.py</a:t>
+            </a:r>
+            <a:endParaRPr lang="en-US" dirty="0"/>
+          </a:p>
+        </p:txBody>
+      </p:sp>
+      <p:sp>
+        <p:nvSpPr>
+          <p:cNvPr id="5" name="Rounded Rectangle 4"/>
+          <p:cNvSpPr/>
+          <p:nvPr/>
+        </p:nvSpPr>
+        <p:spPr>
+          <a:xfrm>
+            <a:off x="3518053" y="485805"/>
+            <a:ext cx="2219291" cy="363574"/>
+          </a:xfrm>
+          <a:prstGeom prst="roundRect">
+            <a:avLst/>
+          </a:prstGeom>
         </p:spPr>
         <p:style>
           <a:lnRef idx="2">
@@ -3103,32 +3146,28 @@
           <a:lstStyle/>
           <a:p>
             <a:pPr algn="ctr"/>
-            <a:endParaRPr lang="en-US"/>
-          </a:p>
-        </p:txBody>
-      </p:sp>
-      <p:sp>
-        <p:nvSpPr>
-          <p:cNvPr id="9" name="Rectangle 8"/>
+            <a:r>
+              <a:rPr lang="en-US" smtClean="0"/>
+              <a:t>List of facets</a:t>
+            </a:r>
+            <a:endParaRPr lang="en-US" dirty="0"/>
+          </a:p>
+        </p:txBody>
+      </p:sp>
+      <p:sp>
+        <p:nvSpPr>
+          <p:cNvPr id="6" name="Rounded Rectangle 5"/>
           <p:cNvSpPr/>
           <p:nvPr/>
         </p:nvSpPr>
         <p:spPr>
           <a:xfrm>
-            <a:off x="640537" y="136973"/>
-            <a:ext cx="5576852" cy="2252228"/>
-          </a:xfrm>
-          <a:prstGeom prst="rect">
+            <a:off x="3518053" y="1753404"/>
+            <a:ext cx="2219291" cy="363574"/>
+          </a:xfrm>
+          <a:prstGeom prst="roundRect">
             <a:avLst/>
           </a:prstGeom>
-          <a:solidFill>
-            <a:srgbClr val="FF0000">
-              <a:alpha val="12941"/>
-            </a:srgbClr>
-          </a:solidFill>
-          <a:ln>
-            <a:noFill/>
-          </a:ln>
         </p:spPr>
         <p:style>
           <a:lnRef idx="2">
@@ -3151,19 +3190,67 @@
           <a:lstStyle/>
           <a:p>
             <a:pPr algn="ctr"/>
-            <a:endParaRPr lang="en-US"/>
-          </a:p>
-        </p:txBody>
-      </p:sp>
-      <p:sp>
-        <p:nvSpPr>
-          <p:cNvPr id="4" name="Rounded Rectangle 3"/>
+            <a:r>
+              <a:rPr lang="en-US" smtClean="0"/>
+              <a:t>Concurrence counts</a:t>
+            </a:r>
+            <a:endParaRPr lang="en-US" dirty="0"/>
+          </a:p>
+        </p:txBody>
+      </p:sp>
+      <p:sp>
+        <p:nvSpPr>
+          <p:cNvPr id="7" name="Rounded Rectangle 6"/>
           <p:cNvSpPr/>
           <p:nvPr/>
         </p:nvSpPr>
         <p:spPr>
           <a:xfrm>
-            <a:off x="923494" y="429942"/>
+            <a:off x="3518053" y="1092221"/>
+            <a:ext cx="2219291" cy="363574"/>
+          </a:xfrm>
+          <a:prstGeom prst="roundRect">
+            <a:avLst/>
+          </a:prstGeom>
+        </p:spPr>
+        <p:style>
+          <a:lnRef idx="2">
+            <a:schemeClr val="accent1">
+              <a:shade val="50000"/>
+            </a:schemeClr>
+          </a:lnRef>
+          <a:fillRef idx="1">
+            <a:schemeClr val="accent1"/>
+          </a:fillRef>
+          <a:effectRef idx="0">
+            <a:schemeClr val="accent1"/>
+          </a:effectRef>
+          <a:fontRef idx="minor">
+            <a:schemeClr val="lt1"/>
+          </a:fontRef>
+        </p:style>
+        <p:txBody>
+          <a:bodyPr rtlCol="0" anchor="ctr"/>
+          <a:lstStyle/>
+          <a:p>
+            <a:pPr algn="ctr"/>
+            <a:r>
+              <a:rPr lang="en-US" dirty="0" smtClean="0"/>
+              <a:t>Facet values</a:t>
+            </a:r>
+            <a:endParaRPr lang="en-US" dirty="0"/>
+          </a:p>
+        </p:txBody>
+      </p:sp>
+      <p:sp>
+        <p:nvSpPr>
+          <p:cNvPr id="8" name="Rounded Rectangle 7"/>
+          <p:cNvSpPr/>
+          <p:nvPr/>
+        </p:nvSpPr>
+        <p:spPr>
+          <a:xfrm>
+            <a:off x="923494" y="1696709"/>
             <a:ext cx="1718548" cy="417637"/>
           </a:xfrm>
           <a:prstGeom prst="roundRect">
@@ -3192,8 +3279,12 @@
           <a:p>
             <a:pPr algn="ctr"/>
             <a:r>
+              <a:rPr lang="en-US" dirty="0" err="1"/>
+              <a:t>c</a:t>
+            </a:r>
+            <a:r>
               <a:rPr lang="en-US" dirty="0" err="1" smtClean="0"/>
-              <a:t>Input.py</a:t>
+              <a:t>oncurrence.py</a:t>
             </a:r>
             <a:endParaRPr lang="en-US" dirty="0"/>
           </a:p>
@@ -3201,14 +3292,242 @@
       </p:sp>
       <p:sp>
         <p:nvSpPr>
-          <p:cNvPr id="5" name="Rounded Rectangle 4"/>
+          <p:cNvPr id="10" name="Rounded Rectangle 9"/>
           <p:cNvSpPr/>
           <p:nvPr/>
         </p:nvSpPr>
         <p:spPr>
           <a:xfrm>
-            <a:off x="3638370" y="243391"/>
-            <a:ext cx="2219291" cy="363574"/>
+            <a:off x="709548" y="5111285"/>
+            <a:ext cx="1718548" cy="417637"/>
+          </a:xfrm>
+          <a:prstGeom prst="roundRect">
+            <a:avLst/>
+          </a:prstGeom>
+        </p:spPr>
+        <p:style>
+          <a:lnRef idx="2">
+            <a:schemeClr val="accent2">
+              <a:shade val="50000"/>
+            </a:schemeClr>
+          </a:lnRef>
+          <a:fillRef idx="1">
+            <a:schemeClr val="accent2"/>
+          </a:fillRef>
+          <a:effectRef idx="0">
+            <a:schemeClr val="accent2"/>
+          </a:effectRef>
+          <a:fontRef idx="minor">
+            <a:schemeClr val="lt1"/>
+          </a:fontRef>
+        </p:style>
+        <p:txBody>
+          <a:bodyPr rtlCol="0" anchor="ctr"/>
+          <a:lstStyle/>
+          <a:p>
+            <a:pPr algn="ctr"/>
+            <a:r>
+              <a:rPr lang="en-US" sz="1600" dirty="0" err="1"/>
+              <a:t>v</a:t>
+            </a:r>
+            <a:r>
+              <a:rPr lang="en-US" sz="1600" dirty="0" err="1" smtClean="0"/>
+              <a:t>alue_distance.py</a:t>
+            </a:r>
+            <a:endParaRPr lang="en-US" sz="1600" dirty="0"/>
+          </a:p>
+        </p:txBody>
+      </p:sp>
+      <p:sp>
+        <p:nvSpPr>
+          <p:cNvPr id="21" name="Rounded Rectangle 20"/>
+          <p:cNvSpPr/>
+          <p:nvPr/>
+        </p:nvSpPr>
+        <p:spPr>
+          <a:xfrm>
+            <a:off x="640536" y="2891769"/>
+            <a:ext cx="3369100" cy="417637"/>
+          </a:xfrm>
+          <a:prstGeom prst="roundRect">
+            <a:avLst/>
+          </a:prstGeom>
+        </p:spPr>
+        <p:style>
+          <a:lnRef idx="2">
+            <a:schemeClr val="accent2">
+              <a:shade val="50000"/>
+            </a:schemeClr>
+          </a:lnRef>
+          <a:fillRef idx="1">
+            <a:schemeClr val="accent2"/>
+          </a:fillRef>
+          <a:effectRef idx="0">
+            <a:schemeClr val="accent2"/>
+          </a:effectRef>
+          <a:fontRef idx="minor">
+            <a:schemeClr val="lt1"/>
+          </a:fontRef>
+        </p:style>
+        <p:txBody>
+          <a:bodyPr rtlCol="0" anchor="ctr"/>
+          <a:lstStyle/>
+          <a:p>
+            <a:pPr algn="ctr"/>
+            <a:r>
+              <a:rPr lang="en-US" sz="1600" b="1" smtClean="0"/>
+              <a:t>lexical_merge_analysis_pipeline</a:t>
+            </a:r>
+            <a:r>
+              <a:rPr lang="en-US" sz="1600" smtClean="0"/>
+              <a:t>.py</a:t>
+            </a:r>
+            <a:endParaRPr lang="en-US" sz="1600" dirty="0"/>
+          </a:p>
+        </p:txBody>
+      </p:sp>
+      <p:sp>
+        <p:nvSpPr>
+          <p:cNvPr id="22" name="Rounded Rectangle 21"/>
+          <p:cNvSpPr/>
+          <p:nvPr/>
+        </p:nvSpPr>
+        <p:spPr>
+          <a:xfrm>
+            <a:off x="3900495" y="3818765"/>
+            <a:ext cx="2315543" cy="417637"/>
+          </a:xfrm>
+          <a:prstGeom prst="roundRect">
+            <a:avLst/>
+          </a:prstGeom>
+        </p:spPr>
+        <p:style>
+          <a:lnRef idx="2">
+            <a:schemeClr val="accent2">
+              <a:shade val="50000"/>
+            </a:schemeClr>
+          </a:lnRef>
+          <a:fillRef idx="1">
+            <a:schemeClr val="accent2"/>
+          </a:fillRef>
+          <a:effectRef idx="0">
+            <a:schemeClr val="accent2"/>
+          </a:effectRef>
+          <a:fontRef idx="minor">
+            <a:schemeClr val="lt1"/>
+          </a:fontRef>
+        </p:style>
+        <p:txBody>
+          <a:bodyPr rtlCol="0" anchor="ctr"/>
+          <a:lstStyle/>
+          <a:p>
+            <a:pPr algn="ctr"/>
+            <a:r>
+              <a:rPr lang="en-US" sz="1600" dirty="0" err="1" smtClean="0"/>
+              <a:t>ontology_dist.py</a:t>
+            </a:r>
+            <a:endParaRPr lang="en-US" sz="1600" dirty="0"/>
+          </a:p>
+        </p:txBody>
+      </p:sp>
+      <p:sp>
+        <p:nvSpPr>
+          <p:cNvPr id="23" name="Rounded Rectangle 22"/>
+          <p:cNvSpPr/>
+          <p:nvPr/>
+        </p:nvSpPr>
+        <p:spPr>
+          <a:xfrm>
+            <a:off x="2312156" y="6517897"/>
+            <a:ext cx="2315543" cy="417637"/>
+          </a:xfrm>
+          <a:prstGeom prst="roundRect">
+            <a:avLst/>
+          </a:prstGeom>
+        </p:spPr>
+        <p:style>
+          <a:lnRef idx="2">
+            <a:schemeClr val="accent2">
+              <a:shade val="50000"/>
+            </a:schemeClr>
+          </a:lnRef>
+          <a:fillRef idx="1">
+            <a:schemeClr val="accent2"/>
+          </a:fillRef>
+          <a:effectRef idx="0">
+            <a:schemeClr val="accent2"/>
+          </a:effectRef>
+          <a:fontRef idx="minor">
+            <a:schemeClr val="lt1"/>
+          </a:fontRef>
+        </p:style>
+        <p:txBody>
+          <a:bodyPr rtlCol="0" anchor="ctr"/>
+          <a:lstStyle/>
+          <a:p>
+            <a:pPr algn="ctr"/>
+            <a:r>
+              <a:rPr lang="en-US" sz="1600" smtClean="0"/>
+              <a:t>Amalgamation.py</a:t>
+            </a:r>
+            <a:endParaRPr lang="en-US" sz="1600" dirty="0"/>
+          </a:p>
+        </p:txBody>
+      </p:sp>
+      <p:sp>
+        <p:nvSpPr>
+          <p:cNvPr id="24" name="Rounded Rectangle 23"/>
+          <p:cNvSpPr/>
+          <p:nvPr/>
+        </p:nvSpPr>
+        <p:spPr>
+          <a:xfrm>
+            <a:off x="2312156" y="7891748"/>
+            <a:ext cx="2315543" cy="417637"/>
+          </a:xfrm>
+          <a:prstGeom prst="roundRect">
+            <a:avLst/>
+          </a:prstGeom>
+        </p:spPr>
+        <p:style>
+          <a:lnRef idx="2">
+            <a:schemeClr val="accent2">
+              <a:shade val="50000"/>
+            </a:schemeClr>
+          </a:lnRef>
+          <a:fillRef idx="1">
+            <a:schemeClr val="accent2"/>
+          </a:fillRef>
+          <a:effectRef idx="0">
+            <a:schemeClr val="accent2"/>
+          </a:effectRef>
+          <a:fontRef idx="minor">
+            <a:schemeClr val="lt1"/>
+          </a:fontRef>
+        </p:style>
+        <p:txBody>
+          <a:bodyPr rtlCol="0" anchor="ctr"/>
+          <a:lstStyle/>
+          <a:p>
+            <a:pPr algn="ctr"/>
+            <a:r>
+              <a:rPr lang="en-US" sz="1600" smtClean="0"/>
+              <a:t>Record_response.py</a:t>
+            </a:r>
+            <a:endParaRPr lang="en-US" sz="1600" dirty="0"/>
+          </a:p>
+        </p:txBody>
+      </p:sp>
+      <p:sp>
+        <p:nvSpPr>
+          <p:cNvPr id="25" name="Rounded Rectangle 24"/>
+          <p:cNvSpPr/>
+          <p:nvPr/>
+        </p:nvSpPr>
+        <p:spPr>
+          <a:xfrm>
+            <a:off x="874543" y="7061032"/>
+            <a:ext cx="2219291" cy="705218"/>
           </a:xfrm>
           <a:prstGeom prst="roundRect">
             <a:avLst/>
@@ -3236,8 +3555,15 @@
           <a:p>
             <a:pPr algn="ctr"/>
             <a:r>
-              <a:rPr lang="en-US" smtClean="0"/>
-              <a:t>List of facets</a:t>
+              <a:rPr lang="en-US" dirty="0" smtClean="0"/>
+              <a:t>Human needed:</a:t>
+            </a:r>
+          </a:p>
+          <a:p>
+            <a:pPr algn="ctr"/>
+            <a:r>
+              <a:rPr lang="en-US" dirty="0" smtClean="0"/>
+              <a:t>Facet pairs to merge</a:t>
             </a:r>
             <a:endParaRPr lang="en-US" dirty="0"/>
           </a:p>
@@ -3245,14 +3571,14 @@
       </p:sp>
       <p:sp>
         <p:nvSpPr>
-          <p:cNvPr id="6" name="Rounded Rectangle 5"/>
+          <p:cNvPr id="26" name="Rounded Rectangle 25"/>
           <p:cNvSpPr/>
           <p:nvPr/>
         </p:nvSpPr>
         <p:spPr>
           <a:xfrm>
-            <a:off x="3638370" y="753239"/>
-            <a:ext cx="2219291" cy="363574"/>
+            <a:off x="3749517" y="7048947"/>
+            <a:ext cx="2219291" cy="705218"/>
           </a:xfrm>
           <a:prstGeom prst="roundRect">
             <a:avLst/>
@@ -3280,8 +3606,15 @@
           <a:p>
             <a:pPr algn="ctr"/>
             <a:r>
-              <a:rPr lang="en-US" smtClean="0"/>
-              <a:t>Concurrence counts</a:t>
+              <a:rPr lang="en-US" dirty="0" smtClean="0"/>
+              <a:t>Automated:</a:t>
+            </a:r>
+          </a:p>
+          <a:p>
+            <a:pPr algn="ctr"/>
+            <a:r>
+              <a:rPr lang="en-US" dirty="0" smtClean="0"/>
+              <a:t>Facet pairs to merge</a:t>
             </a:r>
             <a:endParaRPr lang="en-US" dirty="0"/>
           </a:p>
@@ -3289,14 +3622,14 @@
       </p:sp>
       <p:sp>
         <p:nvSpPr>
-          <p:cNvPr id="7" name="Rounded Rectangle 6"/>
+          <p:cNvPr id="27" name="Rounded Rectangle 26"/>
           <p:cNvSpPr/>
           <p:nvPr/>
         </p:nvSpPr>
         <p:spPr>
           <a:xfrm>
-            <a:off x="3638370" y="1263087"/>
-            <a:ext cx="2219291" cy="363574"/>
+            <a:off x="2312156" y="8434883"/>
+            <a:ext cx="2315543" cy="705218"/>
           </a:xfrm>
           <a:prstGeom prst="roundRect">
             <a:avLst/>
@@ -3325,7 +3658,14 @@
             <a:pPr algn="ctr"/>
             <a:r>
               <a:rPr lang="en-US" dirty="0" smtClean="0"/>
-              <a:t>Facet values</a:t>
+              <a:t>Machine Learning</a:t>
+            </a:r>
+          </a:p>
+          <a:p>
+            <a:pPr algn="ctr"/>
+            <a:r>
+              <a:rPr lang="en-US" dirty="0" smtClean="0"/>
+              <a:t>Table</a:t>
             </a:r>
             <a:endParaRPr lang="en-US" dirty="0"/>
           </a:p>
@@ -3333,13 +3673,73 @@
       </p:sp>
       <p:sp>
         <p:nvSpPr>
-          <p:cNvPr id="8" name="Rounded Rectangle 7"/>
+          <p:cNvPr id="32" name="TextBox 31"/>
+          <p:cNvSpPr txBox="1"/>
+          <p:nvPr/>
+        </p:nvSpPr>
+        <p:spPr>
+          <a:xfrm rot="16200000">
+            <a:off x="113468" y="1038421"/>
+            <a:ext cx="684803" cy="369332"/>
+          </a:xfrm>
+          <a:prstGeom prst="rect">
+            <a:avLst/>
+          </a:prstGeom>
+          <a:noFill/>
+        </p:spPr>
+        <p:txBody>
+          <a:bodyPr wrap="none" rtlCol="0">
+            <a:spAutoFit/>
+          </a:bodyPr>
+          <a:lstStyle/>
+          <a:p>
+            <a:r>
+              <a:rPr lang="en-US" smtClean="0"/>
+              <a:t>Input</a:t>
+            </a:r>
+            <a:endParaRPr lang="en-US"/>
+          </a:p>
+        </p:txBody>
+      </p:sp>
+      <p:sp>
+        <p:nvSpPr>
+          <p:cNvPr id="33" name="TextBox 32"/>
+          <p:cNvSpPr txBox="1"/>
+          <p:nvPr/>
+        </p:nvSpPr>
+        <p:spPr>
+          <a:xfrm rot="16200000">
+            <a:off x="27707" y="7915900"/>
+            <a:ext cx="856325" cy="369332"/>
+          </a:xfrm>
+          <a:prstGeom prst="rect">
+            <a:avLst/>
+          </a:prstGeom>
+          <a:noFill/>
+        </p:spPr>
+        <p:txBody>
+          <a:bodyPr wrap="none" rtlCol="0">
+            <a:spAutoFit/>
+          </a:bodyPr>
+          <a:lstStyle/>
+          <a:p>
+            <a:r>
+              <a:rPr lang="en-US" smtClean="0"/>
+              <a:t>Output</a:t>
+            </a:r>
+            <a:endParaRPr lang="en-US"/>
+          </a:p>
+        </p:txBody>
+      </p:sp>
+      <p:sp>
+        <p:nvSpPr>
+          <p:cNvPr id="37" name="Rounded Rectangle 36"/>
           <p:cNvSpPr/>
           <p:nvPr/>
         </p:nvSpPr>
         <p:spPr>
           <a:xfrm>
-            <a:off x="923494" y="1014270"/>
+            <a:off x="2569689" y="5100882"/>
             <a:ext cx="1718548" cy="417637"/>
           </a:xfrm>
           <a:prstGeom prst="roundRect">
@@ -3368,22 +3768,22 @@
           <a:p>
             <a:pPr algn="ctr"/>
             <a:r>
-              <a:rPr lang="en-US" smtClean="0"/>
-              <a:t>Concurrence.py</a:t>
-            </a:r>
-            <a:endParaRPr lang="en-US" dirty="0"/>
-          </a:p>
-        </p:txBody>
-      </p:sp>
-      <p:sp>
-        <p:nvSpPr>
-          <p:cNvPr id="10" name="Rounded Rectangle 9"/>
+              <a:rPr lang="en-US" sz="1600" dirty="0" err="1" smtClean="0"/>
+              <a:t>concurrence.py</a:t>
+            </a:r>
+            <a:endParaRPr lang="en-US" sz="1600" dirty="0"/>
+          </a:p>
+        </p:txBody>
+      </p:sp>
+      <p:sp>
+        <p:nvSpPr>
+          <p:cNvPr id="38" name="Rounded Rectangle 37"/>
           <p:cNvSpPr/>
           <p:nvPr/>
         </p:nvSpPr>
         <p:spPr>
           <a:xfrm>
-            <a:off x="923494" y="1598598"/>
+            <a:off x="923494" y="1035011"/>
             <a:ext cx="1718548" cy="417637"/>
           </a:xfrm>
           <a:prstGeom prst="roundRect">
@@ -3412,23 +3812,27 @@
           <a:p>
             <a:pPr algn="ctr"/>
             <a:r>
-              <a:rPr lang="en-US" sz="1600" dirty="0" err="1" smtClean="0"/>
-              <a:t>Value_distance.py</a:t>
-            </a:r>
-            <a:endParaRPr lang="en-US" sz="1600" dirty="0"/>
-          </a:p>
-        </p:txBody>
-      </p:sp>
-      <p:sp>
-        <p:nvSpPr>
-          <p:cNvPr id="12" name="Rounded Rectangle 11"/>
+              <a:rPr lang="en-US" dirty="0" err="1"/>
+              <a:t>f</a:t>
+            </a:r>
+            <a:r>
+              <a:rPr lang="en-US" dirty="0" err="1" smtClean="0"/>
+              <a:t>acet_values.py</a:t>
+            </a:r>
+            <a:endParaRPr lang="en-US" dirty="0"/>
+          </a:p>
+        </p:txBody>
+      </p:sp>
+      <p:sp>
+        <p:nvSpPr>
+          <p:cNvPr id="39" name="Rounded Rectangle 38"/>
           <p:cNvSpPr/>
           <p:nvPr/>
         </p:nvSpPr>
         <p:spPr>
           <a:xfrm>
-            <a:off x="778291" y="2871169"/>
-            <a:ext cx="2315543" cy="417637"/>
+            <a:off x="4428478" y="5114829"/>
+            <a:ext cx="1718548" cy="417637"/>
           </a:xfrm>
           <a:prstGeom prst="roundRect">
             <a:avLst/>
@@ -3456,704 +3860,199 @@
           <a:p>
             <a:pPr algn="ctr"/>
             <a:r>
-              <a:rPr lang="en-US" sz="1600" smtClean="0"/>
-              <a:t>Fail_dict_fuzz_match.py</a:t>
+              <a:rPr lang="en-US" sz="1600" dirty="0" err="1"/>
+              <a:t>f</a:t>
+            </a:r>
+            <a:r>
+              <a:rPr lang="en-US" sz="1600" dirty="0" err="1" smtClean="0"/>
+              <a:t>acet_slicing.py</a:t>
             </a:r>
             <a:endParaRPr lang="en-US" sz="1600" dirty="0"/>
           </a:p>
         </p:txBody>
       </p:sp>
-      <p:sp>
-        <p:nvSpPr>
-          <p:cNvPr id="13" name="Rounded Rectangle 12"/>
-          <p:cNvSpPr/>
+      <p:cxnSp>
+        <p:nvCxnSpPr>
+          <p:cNvPr id="3" name="Straight Arrow Connector 2"/>
+          <p:cNvCxnSpPr>
+            <a:endCxn id="5" idx="1"/>
+          </p:cNvCxnSpPr>
           <p:nvPr/>
-        </p:nvSpPr>
-        <p:spPr>
-          <a:xfrm>
-            <a:off x="3638370" y="1769298"/>
-            <a:ext cx="2219291" cy="363574"/>
-          </a:xfrm>
-          <a:prstGeom prst="roundRect">
+        </p:nvCxnSpPr>
+        <p:spPr>
+          <a:xfrm>
+            <a:off x="2642042" y="638760"/>
+            <a:ext cx="876011" cy="28832"/>
+          </a:xfrm>
+          <a:prstGeom prst="straightConnector1">
             <a:avLst/>
           </a:prstGeom>
+          <a:ln>
+            <a:tailEnd type="triangle"/>
+          </a:ln>
         </p:spPr>
         <p:style>
-          <a:lnRef idx="2">
-            <a:schemeClr val="accent1">
-              <a:shade val="50000"/>
-            </a:schemeClr>
+          <a:lnRef idx="1">
+            <a:schemeClr val="accent1"/>
           </a:lnRef>
-          <a:fillRef idx="1">
+          <a:fillRef idx="0">
             <a:schemeClr val="accent1"/>
           </a:fillRef>
           <a:effectRef idx="0">
             <a:schemeClr val="accent1"/>
           </a:effectRef>
           <a:fontRef idx="minor">
-            <a:schemeClr val="lt1"/>
+            <a:schemeClr val="tx1"/>
           </a:fontRef>
         </p:style>
-        <p:txBody>
-          <a:bodyPr rtlCol="0" anchor="ctr"/>
-          <a:lstStyle/>
-          <a:p>
-            <a:pPr algn="ctr"/>
-            <a:r>
-              <a:rPr lang="en-US" dirty="0" smtClean="0"/>
-              <a:t>Value distances</a:t>
-            </a:r>
-            <a:endParaRPr lang="en-US" dirty="0"/>
-          </a:p>
-        </p:txBody>
-      </p:sp>
-      <p:sp>
-        <p:nvSpPr>
-          <p:cNvPr id="14" name="Rounded Rectangle 13"/>
-          <p:cNvSpPr/>
+      </p:cxnSp>
+      <p:cxnSp>
+        <p:nvCxnSpPr>
+          <p:cNvPr id="40" name="Straight Arrow Connector 39"/>
+          <p:cNvCxnSpPr/>
           <p:nvPr/>
-        </p:nvSpPr>
-        <p:spPr>
-          <a:xfrm>
-            <a:off x="778291" y="3429205"/>
-            <a:ext cx="2315543" cy="417637"/>
-          </a:xfrm>
-          <a:prstGeom prst="roundRect">
+        </p:nvCxnSpPr>
+        <p:spPr>
+          <a:xfrm>
+            <a:off x="2642042" y="1204186"/>
+            <a:ext cx="827885" cy="56695"/>
+          </a:xfrm>
+          <a:prstGeom prst="straightConnector1">
             <a:avLst/>
           </a:prstGeom>
+          <a:ln>
+            <a:tailEnd type="triangle"/>
+          </a:ln>
         </p:spPr>
         <p:style>
-          <a:lnRef idx="2">
-            <a:schemeClr val="accent2">
-              <a:shade val="50000"/>
-            </a:schemeClr>
+          <a:lnRef idx="1">
+            <a:schemeClr val="accent1"/>
           </a:lnRef>
-          <a:fillRef idx="1">
-            <a:schemeClr val="accent2"/>
-          </a:fillRef>
-          <a:effectRef idx="0">
-            <a:schemeClr val="accent2"/>
-          </a:effectRef>
-          <a:fontRef idx="minor">
-            <a:schemeClr val="lt1"/>
-          </a:fontRef>
-        </p:style>
-        <p:txBody>
-          <a:bodyPr rtlCol="0" anchor="ctr"/>
-          <a:lstStyle/>
-          <a:p>
-            <a:pPr algn="ctr"/>
-            <a:r>
-              <a:rPr lang="en-US" sz="1600" dirty="0" err="1" smtClean="0"/>
-              <a:t>Pass_dict_fuzz_match.py</a:t>
-            </a:r>
-            <a:endParaRPr lang="en-US" sz="1600" dirty="0"/>
-          </a:p>
-        </p:txBody>
-      </p:sp>
-      <p:sp>
-        <p:nvSpPr>
-          <p:cNvPr id="15" name="Rounded Rectangle 14"/>
-          <p:cNvSpPr/>
-          <p:nvPr/>
-        </p:nvSpPr>
-        <p:spPr>
-          <a:xfrm>
-            <a:off x="778291" y="3987782"/>
-            <a:ext cx="2315543" cy="417637"/>
-          </a:xfrm>
-          <a:prstGeom prst="roundRect">
-            <a:avLst/>
-          </a:prstGeom>
-        </p:spPr>
-        <p:style>
-          <a:lnRef idx="2">
-            <a:schemeClr val="accent2">
-              <a:shade val="50000"/>
-            </a:schemeClr>
-          </a:lnRef>
-          <a:fillRef idx="1">
-            <a:schemeClr val="accent2"/>
-          </a:fillRef>
-          <a:effectRef idx="0">
-            <a:schemeClr val="accent2"/>
-          </a:effectRef>
-          <a:fontRef idx="minor">
-            <a:schemeClr val="lt1"/>
-          </a:fontRef>
-        </p:style>
-        <p:txBody>
-          <a:bodyPr rtlCol="0" anchor="ctr"/>
-          <a:lstStyle/>
-          <a:p>
-            <a:pPr algn="ctr"/>
-            <a:r>
-              <a:rPr lang="en-US" sz="1600" dirty="0" err="1" smtClean="0"/>
-              <a:t>Synonym_search.py</a:t>
-            </a:r>
-            <a:endParaRPr lang="en-US" sz="1600" dirty="0"/>
-          </a:p>
-        </p:txBody>
-      </p:sp>
-      <p:sp>
-        <p:nvSpPr>
-          <p:cNvPr id="16" name="Rounded Rectangle 15"/>
-          <p:cNvSpPr/>
-          <p:nvPr/>
-        </p:nvSpPr>
-        <p:spPr>
-          <a:xfrm>
-            <a:off x="3749518" y="2871168"/>
-            <a:ext cx="2315543" cy="417637"/>
-          </a:xfrm>
-          <a:prstGeom prst="roundRect">
-            <a:avLst/>
-          </a:prstGeom>
-        </p:spPr>
-        <p:style>
-          <a:lnRef idx="2">
-            <a:schemeClr val="accent2">
-              <a:shade val="50000"/>
-            </a:schemeClr>
-          </a:lnRef>
-          <a:fillRef idx="1">
-            <a:schemeClr val="accent2"/>
-          </a:fillRef>
-          <a:effectRef idx="0">
-            <a:schemeClr val="accent2"/>
-          </a:effectRef>
-          <a:fontRef idx="minor">
-            <a:schemeClr val="lt1"/>
-          </a:fontRef>
-        </p:style>
-        <p:txBody>
-          <a:bodyPr rtlCol="0" anchor="ctr"/>
-          <a:lstStyle/>
-          <a:p>
-            <a:pPr algn="ctr"/>
-            <a:r>
-              <a:rPr lang="en-US" sz="1600" dirty="0" err="1" smtClean="0"/>
-              <a:t>Shortened_words.py</a:t>
-            </a:r>
-            <a:endParaRPr lang="en-US" sz="1600" dirty="0"/>
-          </a:p>
-        </p:txBody>
-      </p:sp>
-      <p:sp>
-        <p:nvSpPr>
-          <p:cNvPr id="17" name="Rounded Rectangle 16"/>
-          <p:cNvSpPr/>
-          <p:nvPr/>
-        </p:nvSpPr>
-        <p:spPr>
-          <a:xfrm>
-            <a:off x="3749517" y="3435476"/>
-            <a:ext cx="2315543" cy="417637"/>
-          </a:xfrm>
-          <a:prstGeom prst="roundRect">
-            <a:avLst/>
-          </a:prstGeom>
-        </p:spPr>
-        <p:style>
-          <a:lnRef idx="2">
-            <a:schemeClr val="accent2">
-              <a:shade val="50000"/>
-            </a:schemeClr>
-          </a:lnRef>
-          <a:fillRef idx="1">
-            <a:schemeClr val="accent2"/>
-          </a:fillRef>
-          <a:effectRef idx="0">
-            <a:schemeClr val="accent2"/>
-          </a:effectRef>
-          <a:fontRef idx="minor">
-            <a:schemeClr val="lt1"/>
-          </a:fontRef>
-        </p:style>
-        <p:txBody>
-          <a:bodyPr rtlCol="0" anchor="ctr"/>
-          <a:lstStyle/>
-          <a:p>
-            <a:pPr algn="ctr"/>
-            <a:r>
-              <a:rPr lang="en-US" sz="1600" smtClean="0"/>
-              <a:t>Pluralisation_check.py</a:t>
-            </a:r>
-            <a:endParaRPr lang="en-US" sz="1600" dirty="0"/>
-          </a:p>
-        </p:txBody>
-      </p:sp>
-      <p:sp>
-        <p:nvSpPr>
-          <p:cNvPr id="18" name="Rounded Rectangle 17"/>
-          <p:cNvSpPr/>
-          <p:nvPr/>
-        </p:nvSpPr>
-        <p:spPr>
-          <a:xfrm>
-            <a:off x="3749517" y="3987116"/>
-            <a:ext cx="2315543" cy="417637"/>
-          </a:xfrm>
-          <a:prstGeom prst="roundRect">
-            <a:avLst/>
-          </a:prstGeom>
-        </p:spPr>
-        <p:style>
-          <a:lnRef idx="2">
-            <a:schemeClr val="accent2">
-              <a:shade val="50000"/>
-            </a:schemeClr>
-          </a:lnRef>
-          <a:fillRef idx="1">
-            <a:schemeClr val="accent2"/>
-          </a:fillRef>
-          <a:effectRef idx="0">
-            <a:schemeClr val="accent2"/>
-          </a:effectRef>
-          <a:fontRef idx="minor">
-            <a:schemeClr val="lt1"/>
-          </a:fontRef>
-        </p:style>
-        <p:txBody>
-          <a:bodyPr rtlCol="0" anchor="ctr"/>
-          <a:lstStyle/>
-          <a:p>
-            <a:pPr algn="ctr"/>
-            <a:r>
-              <a:rPr lang="en-US" sz="1600" dirty="0" err="1" smtClean="0"/>
-              <a:t>Homophore_check.py</a:t>
-            </a:r>
-            <a:endParaRPr lang="en-US" sz="1600" dirty="0"/>
-          </a:p>
-        </p:txBody>
-      </p:sp>
-      <p:sp>
-        <p:nvSpPr>
-          <p:cNvPr id="19" name="Rounded Rectangle 18"/>
-          <p:cNvSpPr/>
-          <p:nvPr/>
-        </p:nvSpPr>
-        <p:spPr>
-          <a:xfrm>
-            <a:off x="3749517" y="4551424"/>
-            <a:ext cx="2315543" cy="417637"/>
-          </a:xfrm>
-          <a:prstGeom prst="roundRect">
-            <a:avLst/>
-          </a:prstGeom>
-        </p:spPr>
-        <p:style>
-          <a:lnRef idx="2">
-            <a:schemeClr val="accent2">
-              <a:shade val="50000"/>
-            </a:schemeClr>
-          </a:lnRef>
-          <a:fillRef idx="1">
-            <a:schemeClr val="accent2"/>
-          </a:fillRef>
-          <a:effectRef idx="0">
-            <a:schemeClr val="accent2"/>
-          </a:effectRef>
-          <a:fontRef idx="minor">
-            <a:schemeClr val="lt1"/>
-          </a:fontRef>
-        </p:style>
-        <p:txBody>
-          <a:bodyPr rtlCol="0" anchor="ctr"/>
-          <a:lstStyle/>
-          <a:p>
-            <a:pPr algn="ctr"/>
-            <a:r>
-              <a:rPr lang="en-US" sz="1600" dirty="0" err="1" smtClean="0"/>
-              <a:t>Units_at_end.py</a:t>
-            </a:r>
-            <a:endParaRPr lang="en-US" sz="1600" dirty="0"/>
-          </a:p>
-        </p:txBody>
-      </p:sp>
-      <p:sp>
-        <p:nvSpPr>
-          <p:cNvPr id="20" name="Rounded Rectangle 19"/>
-          <p:cNvSpPr/>
-          <p:nvPr/>
-        </p:nvSpPr>
-        <p:spPr>
-          <a:xfrm>
-            <a:off x="3749517" y="5115732"/>
-            <a:ext cx="2315543" cy="417637"/>
-          </a:xfrm>
-          <a:prstGeom prst="roundRect">
-            <a:avLst/>
-          </a:prstGeom>
-        </p:spPr>
-        <p:style>
-          <a:lnRef idx="2">
-            <a:schemeClr val="accent2">
-              <a:shade val="50000"/>
-            </a:schemeClr>
-          </a:lnRef>
-          <a:fillRef idx="1">
-            <a:schemeClr val="accent2"/>
-          </a:fillRef>
-          <a:effectRef idx="0">
-            <a:schemeClr val="accent2"/>
-          </a:effectRef>
-          <a:fontRef idx="minor">
-            <a:schemeClr val="lt1"/>
-          </a:fontRef>
-        </p:style>
-        <p:txBody>
-          <a:bodyPr rtlCol="0" anchor="ctr"/>
-          <a:lstStyle/>
-          <a:p>
-            <a:pPr algn="ctr"/>
-            <a:r>
-              <a:rPr lang="en-US" sz="1600" smtClean="0"/>
-              <a:t>Missing_spaces.py</a:t>
-            </a:r>
-            <a:endParaRPr lang="en-US" sz="1600" dirty="0"/>
-          </a:p>
-        </p:txBody>
-      </p:sp>
-      <p:sp>
-        <p:nvSpPr>
-          <p:cNvPr id="21" name="Rounded Rectangle 20"/>
-          <p:cNvSpPr/>
-          <p:nvPr/>
-        </p:nvSpPr>
-        <p:spPr>
-          <a:xfrm>
-            <a:off x="778291" y="4906913"/>
-            <a:ext cx="2315543" cy="417637"/>
-          </a:xfrm>
-          <a:prstGeom prst="roundRect">
-            <a:avLst/>
-          </a:prstGeom>
-        </p:spPr>
-        <p:style>
-          <a:lnRef idx="2">
-            <a:schemeClr val="accent2">
-              <a:shade val="50000"/>
-            </a:schemeClr>
-          </a:lnRef>
-          <a:fillRef idx="1">
-            <a:schemeClr val="accent2"/>
-          </a:fillRef>
-          <a:effectRef idx="0">
-            <a:schemeClr val="accent2"/>
-          </a:effectRef>
-          <a:fontRef idx="minor">
-            <a:schemeClr val="lt1"/>
-          </a:fontRef>
-        </p:style>
-        <p:txBody>
-          <a:bodyPr rtlCol="0" anchor="ctr"/>
-          <a:lstStyle/>
-          <a:p>
-            <a:pPr algn="ctr"/>
-            <a:r>
-              <a:rPr lang="en-US" sz="1600" dirty="0" err="1" smtClean="0"/>
-              <a:t>Value_ontology_dist.py</a:t>
-            </a:r>
-            <a:endParaRPr lang="en-US" sz="1600" dirty="0"/>
-          </a:p>
-        </p:txBody>
-      </p:sp>
-      <p:sp>
-        <p:nvSpPr>
-          <p:cNvPr id="22" name="Rounded Rectangle 21"/>
-          <p:cNvSpPr/>
-          <p:nvPr/>
-        </p:nvSpPr>
-        <p:spPr>
-          <a:xfrm>
-            <a:off x="778291" y="5478553"/>
-            <a:ext cx="2315543" cy="417637"/>
-          </a:xfrm>
-          <a:prstGeom prst="roundRect">
-            <a:avLst/>
-          </a:prstGeom>
-        </p:spPr>
-        <p:style>
-          <a:lnRef idx="2">
-            <a:schemeClr val="accent2">
-              <a:shade val="50000"/>
-            </a:schemeClr>
-          </a:lnRef>
-          <a:fillRef idx="1">
-            <a:schemeClr val="accent2"/>
-          </a:fillRef>
-          <a:effectRef idx="0">
-            <a:schemeClr val="accent2"/>
-          </a:effectRef>
-          <a:fontRef idx="minor">
-            <a:schemeClr val="lt1"/>
-          </a:fontRef>
-        </p:style>
-        <p:txBody>
-          <a:bodyPr rtlCol="0" anchor="ctr"/>
-          <a:lstStyle/>
-          <a:p>
-            <a:pPr algn="ctr"/>
-            <a:r>
-              <a:rPr lang="en-US" sz="1600" dirty="0" err="1" smtClean="0"/>
-              <a:t>Key_ontology_dist.py</a:t>
-            </a:r>
-            <a:endParaRPr lang="en-US" sz="1600" dirty="0"/>
-          </a:p>
-        </p:txBody>
-      </p:sp>
-      <p:sp>
-        <p:nvSpPr>
-          <p:cNvPr id="23" name="Rounded Rectangle 22"/>
-          <p:cNvSpPr/>
-          <p:nvPr/>
-        </p:nvSpPr>
-        <p:spPr>
-          <a:xfrm>
-            <a:off x="2312156" y="6517897"/>
-            <a:ext cx="2315543" cy="417637"/>
-          </a:xfrm>
-          <a:prstGeom prst="roundRect">
-            <a:avLst/>
-          </a:prstGeom>
-        </p:spPr>
-        <p:style>
-          <a:lnRef idx="2">
-            <a:schemeClr val="accent2">
-              <a:shade val="50000"/>
-            </a:schemeClr>
-          </a:lnRef>
-          <a:fillRef idx="1">
-            <a:schemeClr val="accent2"/>
-          </a:fillRef>
-          <a:effectRef idx="0">
-            <a:schemeClr val="accent2"/>
-          </a:effectRef>
-          <a:fontRef idx="minor">
-            <a:schemeClr val="lt1"/>
-          </a:fontRef>
-        </p:style>
-        <p:txBody>
-          <a:bodyPr rtlCol="0" anchor="ctr"/>
-          <a:lstStyle/>
-          <a:p>
-            <a:pPr algn="ctr"/>
-            <a:r>
-              <a:rPr lang="en-US" sz="1600" smtClean="0"/>
-              <a:t>Amalgamation.py</a:t>
-            </a:r>
-            <a:endParaRPr lang="en-US" sz="1600" dirty="0"/>
-          </a:p>
-        </p:txBody>
-      </p:sp>
-      <p:sp>
-        <p:nvSpPr>
-          <p:cNvPr id="24" name="Rounded Rectangle 23"/>
-          <p:cNvSpPr/>
-          <p:nvPr/>
-        </p:nvSpPr>
-        <p:spPr>
-          <a:xfrm>
-            <a:off x="2312156" y="7891748"/>
-            <a:ext cx="2315543" cy="417637"/>
-          </a:xfrm>
-          <a:prstGeom prst="roundRect">
-            <a:avLst/>
-          </a:prstGeom>
-        </p:spPr>
-        <p:style>
-          <a:lnRef idx="2">
-            <a:schemeClr val="accent2">
-              <a:shade val="50000"/>
-            </a:schemeClr>
-          </a:lnRef>
-          <a:fillRef idx="1">
-            <a:schemeClr val="accent2"/>
-          </a:fillRef>
-          <a:effectRef idx="0">
-            <a:schemeClr val="accent2"/>
-          </a:effectRef>
-          <a:fontRef idx="minor">
-            <a:schemeClr val="lt1"/>
-          </a:fontRef>
-        </p:style>
-        <p:txBody>
-          <a:bodyPr rtlCol="0" anchor="ctr"/>
-          <a:lstStyle/>
-          <a:p>
-            <a:pPr algn="ctr"/>
-            <a:r>
-              <a:rPr lang="en-US" sz="1600" smtClean="0"/>
-              <a:t>Record_response.py</a:t>
-            </a:r>
-            <a:endParaRPr lang="en-US" sz="1600" dirty="0"/>
-          </a:p>
-        </p:txBody>
-      </p:sp>
-      <p:sp>
-        <p:nvSpPr>
-          <p:cNvPr id="25" name="Rounded Rectangle 24"/>
-          <p:cNvSpPr/>
-          <p:nvPr/>
-        </p:nvSpPr>
-        <p:spPr>
-          <a:xfrm>
-            <a:off x="874543" y="7061032"/>
-            <a:ext cx="2219291" cy="705218"/>
-          </a:xfrm>
-          <a:prstGeom prst="roundRect">
-            <a:avLst/>
-          </a:prstGeom>
-        </p:spPr>
-        <p:style>
-          <a:lnRef idx="2">
-            <a:schemeClr val="accent1">
-              <a:shade val="50000"/>
-            </a:schemeClr>
-          </a:lnRef>
-          <a:fillRef idx="1">
+          <a:fillRef idx="0">
             <a:schemeClr val="accent1"/>
           </a:fillRef>
           <a:effectRef idx="0">
             <a:schemeClr val="accent1"/>
           </a:effectRef>
           <a:fontRef idx="minor">
-            <a:schemeClr val="lt1"/>
+            <a:schemeClr val="tx1"/>
           </a:fontRef>
         </p:style>
-        <p:txBody>
-          <a:bodyPr rtlCol="0" anchor="ctr"/>
-          <a:lstStyle/>
-          <a:p>
-            <a:pPr algn="ctr"/>
-            <a:r>
-              <a:rPr lang="en-US" dirty="0" smtClean="0"/>
-              <a:t>Human needed:</a:t>
-            </a:r>
-          </a:p>
-          <a:p>
-            <a:pPr algn="ctr"/>
-            <a:r>
-              <a:rPr lang="en-US" dirty="0" smtClean="0"/>
-              <a:t>Facet pairs to merge</a:t>
-            </a:r>
-            <a:endParaRPr lang="en-US" dirty="0"/>
-          </a:p>
-        </p:txBody>
-      </p:sp>
-      <p:sp>
-        <p:nvSpPr>
-          <p:cNvPr id="26" name="Rounded Rectangle 25"/>
-          <p:cNvSpPr/>
+      </p:cxnSp>
+      <p:cxnSp>
+        <p:nvCxnSpPr>
+          <p:cNvPr id="42" name="Straight Arrow Connector 41"/>
+          <p:cNvCxnSpPr/>
           <p:nvPr/>
-        </p:nvSpPr>
-        <p:spPr>
-          <a:xfrm>
-            <a:off x="3749517" y="7048947"/>
-            <a:ext cx="2219291" cy="705218"/>
-          </a:xfrm>
-          <a:prstGeom prst="roundRect">
+        </p:nvCxnSpPr>
+        <p:spPr>
+          <a:xfrm>
+            <a:off x="2666105" y="1873406"/>
+            <a:ext cx="803822" cy="61785"/>
+          </a:xfrm>
+          <a:prstGeom prst="straightConnector1">
             <a:avLst/>
           </a:prstGeom>
+          <a:ln>
+            <a:tailEnd type="triangle"/>
+          </a:ln>
         </p:spPr>
         <p:style>
-          <a:lnRef idx="2">
-            <a:schemeClr val="accent1">
-              <a:shade val="50000"/>
-            </a:schemeClr>
+          <a:lnRef idx="1">
+            <a:schemeClr val="accent1"/>
           </a:lnRef>
-          <a:fillRef idx="1">
+          <a:fillRef idx="0">
             <a:schemeClr val="accent1"/>
           </a:fillRef>
           <a:effectRef idx="0">
             <a:schemeClr val="accent1"/>
           </a:effectRef>
           <a:fontRef idx="minor">
-            <a:schemeClr val="lt1"/>
+            <a:schemeClr val="tx1"/>
           </a:fontRef>
         </p:style>
-        <p:txBody>
-          <a:bodyPr rtlCol="0" anchor="ctr"/>
-          <a:lstStyle/>
-          <a:p>
-            <a:pPr algn="ctr"/>
-            <a:r>
-              <a:rPr lang="en-US" dirty="0" smtClean="0"/>
-              <a:t>Automated:</a:t>
-            </a:r>
-          </a:p>
-          <a:p>
-            <a:pPr algn="ctr"/>
-            <a:r>
-              <a:rPr lang="en-US" dirty="0" smtClean="0"/>
-              <a:t>Facet pairs to merge</a:t>
-            </a:r>
-            <a:endParaRPr lang="en-US" dirty="0"/>
-          </a:p>
-        </p:txBody>
-      </p:sp>
-      <p:sp>
-        <p:nvSpPr>
-          <p:cNvPr id="27" name="Rounded Rectangle 26"/>
-          <p:cNvSpPr/>
+      </p:cxnSp>
+      <p:cxnSp>
+        <p:nvCxnSpPr>
+          <p:cNvPr id="44" name="Straight Arrow Connector 43"/>
+          <p:cNvCxnSpPr>
+            <a:stCxn id="9" idx="2"/>
+            <a:endCxn id="21" idx="0"/>
+          </p:cNvCxnSpPr>
           <p:nvPr/>
-        </p:nvSpPr>
-        <p:spPr>
-          <a:xfrm>
-            <a:off x="2312156" y="8434883"/>
-            <a:ext cx="2315543" cy="705218"/>
-          </a:xfrm>
-          <a:prstGeom prst="roundRect">
+        </p:nvCxnSpPr>
+        <p:spPr>
+          <a:xfrm flipH="1">
+            <a:off x="2325086" y="2389201"/>
+            <a:ext cx="1103877" cy="502568"/>
+          </a:xfrm>
+          <a:prstGeom prst="straightConnector1">
             <a:avLst/>
           </a:prstGeom>
+          <a:ln>
+            <a:tailEnd type="triangle"/>
+          </a:ln>
         </p:spPr>
         <p:style>
-          <a:lnRef idx="2">
-            <a:schemeClr val="accent1">
-              <a:shade val="50000"/>
-            </a:schemeClr>
+          <a:lnRef idx="1">
+            <a:schemeClr val="accent1"/>
           </a:lnRef>
-          <a:fillRef idx="1">
+          <a:fillRef idx="0">
             <a:schemeClr val="accent1"/>
           </a:fillRef>
           <a:effectRef idx="0">
             <a:schemeClr val="accent1"/>
           </a:effectRef>
           <a:fontRef idx="minor">
-            <a:schemeClr val="lt1"/>
+            <a:schemeClr val="tx1"/>
           </a:fontRef>
         </p:style>
-        <p:txBody>
-          <a:bodyPr rtlCol="0" anchor="ctr"/>
-          <a:lstStyle/>
-          <a:p>
-            <a:pPr algn="ctr"/>
-            <a:r>
-              <a:rPr lang="en-US" dirty="0" smtClean="0"/>
-              <a:t>Machine Learning</a:t>
-            </a:r>
-          </a:p>
-          <a:p>
-            <a:pPr algn="ctr"/>
-            <a:r>
-              <a:rPr lang="en-US" dirty="0" smtClean="0"/>
-              <a:t>Table</a:t>
-            </a:r>
-            <a:endParaRPr lang="en-US" dirty="0"/>
-          </a:p>
-        </p:txBody>
-      </p:sp>
-      <p:sp>
-        <p:nvSpPr>
-          <p:cNvPr id="32" name="TextBox 31"/>
+      </p:cxnSp>
+      <p:cxnSp>
+        <p:nvCxnSpPr>
+          <p:cNvPr id="46" name="Straight Arrow Connector 45"/>
+          <p:cNvCxnSpPr>
+            <a:stCxn id="9" idx="2"/>
+          </p:cNvCxnSpPr>
+          <p:nvPr/>
+        </p:nvCxnSpPr>
+        <p:spPr>
+          <a:xfrm>
+            <a:off x="3428963" y="2389201"/>
+            <a:ext cx="1629303" cy="1327101"/>
+          </a:xfrm>
+          <a:prstGeom prst="straightConnector1">
+            <a:avLst/>
+          </a:prstGeom>
+          <a:ln>
+            <a:tailEnd type="triangle"/>
+          </a:ln>
+        </p:spPr>
+        <p:style>
+          <a:lnRef idx="1">
+            <a:schemeClr val="accent1"/>
+          </a:lnRef>
+          <a:fillRef idx="0">
+            <a:schemeClr val="accent1"/>
+          </a:fillRef>
+          <a:effectRef idx="0">
+            <a:schemeClr val="accent1"/>
+          </a:effectRef>
+          <a:fontRef idx="minor">
+            <a:schemeClr val="tx1"/>
+          </a:fontRef>
+        </p:style>
+      </p:cxnSp>
+      <p:sp>
+        <p:nvSpPr>
+          <p:cNvPr id="50" name="TextBox 49"/>
           <p:cNvSpPr txBox="1"/>
           <p:nvPr/>
         </p:nvSpPr>
         <p:spPr>
           <a:xfrm rot="16200000">
-            <a:off x="113468" y="1038421"/>
-            <a:ext cx="684803" cy="369332"/>
+            <a:off x="-140254" y="5220188"/>
+            <a:ext cx="1192249" cy="369332"/>
           </a:xfrm>
           <a:prstGeom prst="rect">
             <a:avLst/>
@@ -4167,133 +4066,119 @@
           <a:lstStyle/>
           <a:p>
             <a:r>
-              <a:rPr lang="en-US" smtClean="0"/>
-              <a:t>Input</a:t>
-            </a:r>
-            <a:endParaRPr lang="en-US"/>
-          </a:p>
-        </p:txBody>
-      </p:sp>
-      <p:sp>
-        <p:nvSpPr>
-          <p:cNvPr id="33" name="TextBox 32"/>
-          <p:cNvSpPr txBox="1"/>
+              <a:rPr lang="en-US" dirty="0" smtClean="0"/>
+              <a:t>Stats- slow</a:t>
+            </a:r>
+            <a:endParaRPr lang="en-US" dirty="0"/>
+          </a:p>
+        </p:txBody>
+      </p:sp>
+      <p:cxnSp>
+        <p:nvCxnSpPr>
+          <p:cNvPr id="52" name="Straight Arrow Connector 51"/>
+          <p:cNvCxnSpPr>
+            <a:stCxn id="21" idx="2"/>
+          </p:cNvCxnSpPr>
           <p:nvPr/>
-        </p:nvSpPr>
-        <p:spPr>
-          <a:xfrm rot="16200000">
-            <a:off x="27707" y="7915900"/>
-            <a:ext cx="856325" cy="369332"/>
-          </a:xfrm>
-          <a:prstGeom prst="rect">
+        </p:nvCxnSpPr>
+        <p:spPr>
+          <a:xfrm>
+            <a:off x="2325086" y="3309406"/>
+            <a:ext cx="935699" cy="1499323"/>
+          </a:xfrm>
+          <a:prstGeom prst="straightConnector1">
             <a:avLst/>
           </a:prstGeom>
-          <a:noFill/>
-        </p:spPr>
-        <p:txBody>
-          <a:bodyPr wrap="none" rtlCol="0">
-            <a:spAutoFit/>
-          </a:bodyPr>
-          <a:lstStyle/>
-          <a:p>
-            <a:r>
-              <a:rPr lang="en-US" smtClean="0"/>
-              <a:t>Output</a:t>
-            </a:r>
-            <a:endParaRPr lang="en-US"/>
-          </a:p>
-        </p:txBody>
-      </p:sp>
-      <p:sp>
-        <p:nvSpPr>
-          <p:cNvPr id="34" name="TextBox 33"/>
-          <p:cNvSpPr txBox="1"/>
+          <a:ln>
+            <a:tailEnd type="triangle"/>
+          </a:ln>
+        </p:spPr>
+        <p:style>
+          <a:lnRef idx="1">
+            <a:schemeClr val="accent1"/>
+          </a:lnRef>
+          <a:fillRef idx="0">
+            <a:schemeClr val="accent1"/>
+          </a:fillRef>
+          <a:effectRef idx="0">
+            <a:schemeClr val="accent1"/>
+          </a:effectRef>
+          <a:fontRef idx="minor">
+            <a:schemeClr val="tx1"/>
+          </a:fontRef>
+        </p:style>
+      </p:cxnSp>
+      <p:cxnSp>
+        <p:nvCxnSpPr>
+          <p:cNvPr id="54" name="Straight Arrow Connector 53"/>
+          <p:cNvCxnSpPr>
+            <a:stCxn id="22" idx="2"/>
+          </p:cNvCxnSpPr>
           <p:nvPr/>
-        </p:nvSpPr>
-        <p:spPr>
-          <a:xfrm rot="16200000">
-            <a:off x="-111977" y="3520196"/>
-            <a:ext cx="1147365" cy="369332"/>
-          </a:xfrm>
-          <a:prstGeom prst="rect">
+        </p:nvCxnSpPr>
+        <p:spPr>
+          <a:xfrm flipH="1">
+            <a:off x="3518053" y="4236402"/>
+            <a:ext cx="1540214" cy="493375"/>
+          </a:xfrm>
+          <a:prstGeom prst="straightConnector1">
             <a:avLst/>
           </a:prstGeom>
-          <a:noFill/>
-        </p:spPr>
-        <p:txBody>
-          <a:bodyPr wrap="none" rtlCol="0">
-            <a:spAutoFit/>
-          </a:bodyPr>
-          <a:lstStyle/>
-          <a:p>
-            <a:r>
-              <a:rPr lang="en-US" dirty="0" smtClean="0"/>
-              <a:t>Dictionary</a:t>
-            </a:r>
-            <a:endParaRPr lang="en-US" dirty="0"/>
-          </a:p>
-        </p:txBody>
-      </p:sp>
-      <p:sp>
-        <p:nvSpPr>
-          <p:cNvPr id="35" name="TextBox 34"/>
-          <p:cNvSpPr txBox="1"/>
+          <a:ln>
+            <a:tailEnd type="triangle"/>
+          </a:ln>
+        </p:spPr>
+        <p:style>
+          <a:lnRef idx="1">
+            <a:schemeClr val="accent1"/>
+          </a:lnRef>
+          <a:fillRef idx="0">
+            <a:schemeClr val="accent1"/>
+          </a:fillRef>
+          <a:effectRef idx="0">
+            <a:schemeClr val="accent1"/>
+          </a:effectRef>
+          <a:fontRef idx="minor">
+            <a:schemeClr val="tx1"/>
+          </a:fontRef>
+        </p:style>
+      </p:cxnSp>
+      <p:cxnSp>
+        <p:nvCxnSpPr>
+          <p:cNvPr id="56" name="Straight Arrow Connector 55"/>
+          <p:cNvCxnSpPr>
+            <a:stCxn id="49" idx="2"/>
+            <a:endCxn id="31" idx="0"/>
+          </p:cNvCxnSpPr>
           <p:nvPr/>
-        </p:nvSpPr>
-        <p:spPr>
-          <a:xfrm rot="16200000">
-            <a:off x="-64817" y="5205168"/>
-            <a:ext cx="1041375" cy="369332"/>
-          </a:xfrm>
-          <a:prstGeom prst="rect">
+        </p:nvCxnSpPr>
+        <p:spPr>
+          <a:xfrm>
+            <a:off x="3427612" y="5910430"/>
+            <a:ext cx="1351" cy="420035"/>
+          </a:xfrm>
+          <a:prstGeom prst="straightConnector1">
             <a:avLst/>
           </a:prstGeom>
-          <a:noFill/>
-        </p:spPr>
-        <p:txBody>
-          <a:bodyPr wrap="none" rtlCol="0">
-            <a:spAutoFit/>
-          </a:bodyPr>
-          <a:lstStyle/>
-          <a:p>
-            <a:r>
-              <a:rPr lang="en-US" smtClean="0"/>
-              <a:t>Ontology</a:t>
-            </a:r>
-            <a:endParaRPr lang="en-US" dirty="0"/>
-          </a:p>
-        </p:txBody>
-      </p:sp>
-      <p:sp>
-        <p:nvSpPr>
-          <p:cNvPr id="36" name="TextBox 35"/>
-          <p:cNvSpPr txBox="1"/>
-          <p:nvPr/>
-        </p:nvSpPr>
-        <p:spPr>
-          <a:xfrm rot="16200000">
-            <a:off x="2922600" y="4210780"/>
-            <a:ext cx="1094659" cy="369332"/>
-          </a:xfrm>
-          <a:prstGeom prst="rect">
-            <a:avLst/>
-          </a:prstGeom>
-          <a:noFill/>
-        </p:spPr>
-        <p:txBody>
-          <a:bodyPr wrap="none" rtlCol="0">
-            <a:spAutoFit/>
-          </a:bodyPr>
-          <a:lstStyle/>
-          <a:p>
-            <a:r>
-              <a:rPr lang="en-US" dirty="0" smtClean="0"/>
-              <a:t>Character</a:t>
-            </a:r>
-            <a:endParaRPr lang="en-US" dirty="0"/>
-          </a:p>
-        </p:txBody>
-      </p:sp>
+          <a:ln>
+            <a:tailEnd type="triangle"/>
+          </a:ln>
+        </p:spPr>
+        <p:style>
+          <a:lnRef idx="1">
+            <a:schemeClr val="accent1"/>
+          </a:lnRef>
+          <a:fillRef idx="0">
+            <a:schemeClr val="accent1"/>
+          </a:fillRef>
+          <a:effectRef idx="0">
+            <a:schemeClr val="accent1"/>
+          </a:effectRef>
+          <a:fontRef idx="minor">
+            <a:schemeClr val="tx1"/>
+          </a:fontRef>
+        </p:style>
+      </p:cxnSp>
     </p:spTree>
     <p:extLst>
       <p:ext uri="{BB962C8B-B14F-4D97-AF65-F5344CB8AC3E}">
